--- a/Week 6/Presentations/MCR2_URDF.pptx
+++ b/Week 6/Presentations/MCR2_URDF.pptx
@@ -25,9 +25,11 @@
     <p:sldId id="349" r:id="rId19"/>
     <p:sldId id="350" r:id="rId20"/>
     <p:sldId id="351" r:id="rId21"/>
-    <p:sldId id="308" r:id="rId22"/>
-    <p:sldId id="309" r:id="rId23"/>
-    <p:sldId id="310" r:id="rId24"/>
+    <p:sldId id="354" r:id="rId22"/>
+    <p:sldId id="355" r:id="rId23"/>
+    <p:sldId id="308" r:id="rId24"/>
+    <p:sldId id="309" r:id="rId25"/>
+    <p:sldId id="310" r:id="rId26"/>
   </p:sldIdLst>
   <p:sldSz cx="12192000" cy="6858000"/>
   <p:notesSz cx="6858000" cy="9144000"/>
@@ -20348,7 +20350,56 @@
           <a:bodyPr/>
           <a:lstStyle/>
           <a:p>
-            <a:endParaRPr lang="en-GB"/>
+            <a:pPr>
+              <a:lnSpc>
+                <a:spcPct val="150000"/>
+              </a:lnSpc>
+            </a:pPr>
+            <a:r>
+              <a:rPr lang="en-GB" sz="1400" dirty="0"/>
+              <a:t>Usually as users, we want to know the </a:t>
+            </a:r>
+            <a:r>
+              <a:rPr lang="en-GB" sz="1400" i="1" dirty="0"/>
+              <a:t>“states” </a:t>
+            </a:r>
+            <a:r>
+              <a:rPr lang="en-GB" sz="1400" dirty="0"/>
+              <a:t>of a robot. Internal variables of our robotic system.</a:t>
+            </a:r>
+          </a:p>
+          <a:p>
+            <a:pPr>
+              <a:lnSpc>
+                <a:spcPct val="150000"/>
+              </a:lnSpc>
+            </a:pPr>
+            <a:r>
+              <a:rPr lang="en-GB" sz="1400" dirty="0"/>
+              <a:t>The Joint State Publisher is a package in the Robot Operating System (ROS) ecosystem designed to publish joint state information for a robot. </a:t>
+            </a:r>
+          </a:p>
+          <a:p>
+            <a:pPr>
+              <a:lnSpc>
+                <a:spcPct val="150000"/>
+              </a:lnSpc>
+            </a:pPr>
+            <a:r>
+              <a:rPr lang="en-GB" sz="1400" dirty="0"/>
+              <a:t>In other words, to always know the position and velocity of each joint. </a:t>
+            </a:r>
+          </a:p>
+          <a:p>
+            <a:pPr>
+              <a:lnSpc>
+                <a:spcPct val="150000"/>
+              </a:lnSpc>
+            </a:pPr>
+            <a:r>
+              <a:rPr lang="en-GB" sz="1400" dirty="0"/>
+              <a:t>It's a critical component in ROS for robotics applications because it provides information about the positions and velocities of a robot's joints.</a:t>
+            </a:r>
           </a:p>
         </p:txBody>
       </p:sp>
@@ -20370,10 +20421,40 @@
         </p:nvSpPr>
         <p:spPr/>
         <p:txBody>
-          <a:bodyPr/>
+          <a:bodyPr>
+            <a:normAutofit/>
+          </a:bodyPr>
           <a:lstStyle/>
           <a:p>
-            <a:endParaRPr lang="en-GB"/>
+            <a:pPr>
+              <a:lnSpc>
+                <a:spcPct val="150000"/>
+              </a:lnSpc>
+            </a:pPr>
+            <a:r>
+              <a:rPr lang="en-GB" sz="1600" dirty="0"/>
+              <a:t>When using non-fixed joints, ROS will not publish the TF information unless they are “used” in other words, something needs to be subscribed or to publish into the </a:t>
+            </a:r>
+            <a:r>
+              <a:rPr lang="en-GB" sz="1600" i="1" dirty="0"/>
+              <a:t>/</a:t>
+            </a:r>
+            <a:r>
+              <a:rPr lang="en-GB" sz="1600" i="1" dirty="0" err="1"/>
+              <a:t>joint_state</a:t>
+            </a:r>
+            <a:r>
+              <a:rPr lang="en-GB" sz="1600" dirty="0"/>
+              <a:t> topic.</a:t>
+            </a:r>
+          </a:p>
+          <a:p>
+            <a:pPr>
+              <a:lnSpc>
+                <a:spcPct val="150000"/>
+              </a:lnSpc>
+            </a:pPr>
+            <a:endParaRPr lang="en-GB" dirty="0"/>
           </a:p>
         </p:txBody>
       </p:sp>
@@ -20405,6 +20486,66 @@
           </a:p>
         </p:txBody>
       </p:sp>
+      <p:pic>
+        <p:nvPicPr>
+          <p:cNvPr id="6" name="Picture 5">
+            <a:extLst>
+              <a:ext uri="{FF2B5EF4-FFF2-40B4-BE49-F238E27FC236}">
+                <a16:creationId xmlns:a16="http://schemas.microsoft.com/office/drawing/2014/main" id="{D5644AB9-F098-35AA-1A5E-9B814D67D927}"/>
+              </a:ext>
+            </a:extLst>
+          </p:cNvPr>
+          <p:cNvPicPr>
+            <a:picLocks noChangeAspect="1"/>
+          </p:cNvPicPr>
+          <p:nvPr/>
+        </p:nvPicPr>
+        <p:blipFill>
+          <a:blip r:embed="rId2"/>
+          <a:stretch>
+            <a:fillRect/>
+          </a:stretch>
+        </p:blipFill>
+        <p:spPr>
+          <a:xfrm>
+            <a:off x="6392396" y="3521728"/>
+            <a:ext cx="3028950" cy="1571625"/>
+          </a:xfrm>
+          <a:prstGeom prst="rect">
+            <a:avLst/>
+          </a:prstGeom>
+        </p:spPr>
+      </p:pic>
+      <p:pic>
+        <p:nvPicPr>
+          <p:cNvPr id="8" name="Picture 7">
+            <a:extLst>
+              <a:ext uri="{FF2B5EF4-FFF2-40B4-BE49-F238E27FC236}">
+                <a16:creationId xmlns:a16="http://schemas.microsoft.com/office/drawing/2014/main" id="{9AE9BE34-F4AA-501F-8A10-DDC304B6A5B2}"/>
+              </a:ext>
+            </a:extLst>
+          </p:cNvPr>
+          <p:cNvPicPr>
+            <a:picLocks noChangeAspect="1"/>
+          </p:cNvPicPr>
+          <p:nvPr/>
+        </p:nvPicPr>
+        <p:blipFill>
+          <a:blip r:embed="rId3"/>
+          <a:stretch>
+            <a:fillRect/>
+          </a:stretch>
+        </p:blipFill>
+        <p:spPr>
+          <a:xfrm>
+            <a:off x="7537077" y="5248835"/>
+            <a:ext cx="4162425" cy="1381125"/>
+          </a:xfrm>
+          <a:prstGeom prst="rect">
+            <a:avLst/>
+          </a:prstGeom>
+        </p:spPr>
+      </p:pic>
     </p:spTree>
     <p:extLst>
       <p:ext uri="{BB962C8B-B14F-4D97-AF65-F5344CB8AC3E}">
@@ -20437,10 +20578,10 @@
       </p:grpSpPr>
       <p:sp>
         <p:nvSpPr>
-          <p:cNvPr id="2" name="Title 1">
-            <a:extLst>
-              <a:ext uri="{FF2B5EF4-FFF2-40B4-BE49-F238E27FC236}">
-                <a16:creationId xmlns:a16="http://schemas.microsoft.com/office/drawing/2014/main" id="{0A8B8D1C-B2D9-3BC0-72D7-AD9191700AE7}"/>
+          <p:cNvPr id="2" name="Content Placeholder 1">
+            <a:extLst>
+              <a:ext uri="{FF2B5EF4-FFF2-40B4-BE49-F238E27FC236}">
+                <a16:creationId xmlns:a16="http://schemas.microsoft.com/office/drawing/2014/main" id="{268E8060-293B-B53A-30A1-1E111C7CD49B}"/>
               </a:ext>
             </a:extLst>
           </p:cNvPr>
@@ -20448,7 +20589,7 @@
             <a:spLocks noGrp="1"/>
           </p:cNvSpPr>
           <p:nvPr>
-            <p:ph type="ctrTitle"/>
+            <p:ph sz="half" idx="1"/>
           </p:nvPr>
         </p:nvSpPr>
         <p:spPr/>
@@ -20456,9 +20597,161 @@
           <a:bodyPr/>
           <a:lstStyle/>
           <a:p>
+            <a:pPr>
+              <a:lnSpc>
+                <a:spcPct val="150000"/>
+              </a:lnSpc>
+            </a:pPr>
+            <a:r>
+              <a:rPr lang="en-GB" sz="1400" dirty="0"/>
+              <a:t>This package publishes sensor_msgs/</a:t>
+            </a:r>
+            <a:r>
+              <a:rPr lang="en-GB" sz="1400" dirty="0" err="1"/>
+              <a:t>JointState</a:t>
+            </a:r>
+            <a:r>
+              <a:rPr lang="en-GB" sz="1400" dirty="0"/>
+              <a:t> messages for a robot.</a:t>
+            </a:r>
+          </a:p>
+          <a:p>
+            <a:pPr>
+              <a:lnSpc>
+                <a:spcPct val="150000"/>
+              </a:lnSpc>
+            </a:pPr>
+            <a:r>
+              <a:rPr lang="en-GB" sz="1400" dirty="0"/>
+              <a:t>The package reads the </a:t>
+            </a:r>
+            <a:r>
+              <a:rPr lang="en-GB" sz="1400" dirty="0" err="1"/>
+              <a:t>robot_description</a:t>
+            </a:r>
+            <a:r>
+              <a:rPr lang="en-GB" sz="1400" dirty="0"/>
+              <a:t> parameter from the parameter server, finds all of the non-fixed joints and publishes a </a:t>
+            </a:r>
+            <a:r>
+              <a:rPr lang="en-GB" sz="1400" dirty="0" err="1"/>
+              <a:t>JointState</a:t>
+            </a:r>
+            <a:r>
+              <a:rPr lang="en-GB" sz="1400" dirty="0"/>
+              <a:t> message with all those joints defined.</a:t>
+            </a:r>
+          </a:p>
+          <a:p>
+            <a:pPr>
+              <a:lnSpc>
+                <a:spcPct val="150000"/>
+              </a:lnSpc>
+            </a:pPr>
+            <a:r>
+              <a:rPr lang="en-GB" sz="1400" dirty="0"/>
+              <a:t>This information is crucial for various tasks, such as kinematic control, trajectory planning, and simulation</a:t>
+            </a:r>
+          </a:p>
+          <a:p>
+            <a:pPr>
+              <a:lnSpc>
+                <a:spcPct val="150000"/>
+              </a:lnSpc>
+            </a:pPr>
+            <a:endParaRPr lang="en-GB" sz="1400" dirty="0"/>
+          </a:p>
+        </p:txBody>
+      </p:sp>
+      <p:sp>
+        <p:nvSpPr>
+          <p:cNvPr id="3" name="Content Placeholder 2">
+            <a:extLst>
+              <a:ext uri="{FF2B5EF4-FFF2-40B4-BE49-F238E27FC236}">
+                <a16:creationId xmlns:a16="http://schemas.microsoft.com/office/drawing/2014/main" id="{1ABFC7D3-CC9A-AE21-6048-770C67A953AC}"/>
+              </a:ext>
+            </a:extLst>
+          </p:cNvPr>
+          <p:cNvSpPr>
+            <a:spLocks noGrp="1"/>
+          </p:cNvSpPr>
+          <p:nvPr>
+            <p:ph sz="half" idx="2"/>
+          </p:nvPr>
+        </p:nvSpPr>
+        <p:spPr/>
+        <p:txBody>
+          <a:bodyPr>
+            <a:normAutofit/>
+          </a:bodyPr>
+          <a:lstStyle/>
+          <a:p>
+            <a:pPr>
+              <a:lnSpc>
+                <a:spcPct val="150000"/>
+              </a:lnSpc>
+            </a:pPr>
+            <a:r>
+              <a:rPr lang="en-GB" sz="1400" b="1" dirty="0"/>
+              <a:t>Remember!</a:t>
+            </a:r>
+          </a:p>
+          <a:p>
+            <a:pPr lvl="1">
+              <a:lnSpc>
+                <a:spcPct val="150000"/>
+              </a:lnSpc>
+            </a:pPr>
+            <a:r>
+              <a:rPr lang="en-GB" sz="1400" dirty="0"/>
+              <a:t>The joint state publisher is dedicated to read and publish the state of a robot (real or simulated in Gazebo) </a:t>
+            </a:r>
+          </a:p>
+          <a:p>
+            <a:pPr lvl="1">
+              <a:lnSpc>
+                <a:spcPct val="150000"/>
+              </a:lnSpc>
+            </a:pPr>
+            <a:r>
+              <a:rPr lang="en-GB" sz="1400" dirty="0"/>
+              <a:t>When testing our robot, in RVIZ, the </a:t>
+            </a:r>
+            <a:r>
+              <a:rPr lang="en-GB" sz="1400" dirty="0" err="1"/>
+              <a:t>joint_state_publisher</a:t>
+            </a:r>
+            <a:r>
+              <a:rPr lang="en-GB" sz="1400" dirty="0"/>
+              <a:t> allows us to make a simple test by publishing into the Joint topic and moving the Joint; this however is only for testing purposes and should not be used when reading real data, since it is only for publication purposes.</a:t>
+            </a:r>
+          </a:p>
+        </p:txBody>
+      </p:sp>
+      <p:sp>
+        <p:nvSpPr>
+          <p:cNvPr id="4" name="Title 3">
+            <a:extLst>
+              <a:ext uri="{FF2B5EF4-FFF2-40B4-BE49-F238E27FC236}">
+                <a16:creationId xmlns:a16="http://schemas.microsoft.com/office/drawing/2014/main" id="{65F9FD55-F5C1-F7F9-2FEC-40A144DF77FA}"/>
+              </a:ext>
+            </a:extLst>
+          </p:cNvPr>
+          <p:cNvSpPr>
+            <a:spLocks noGrp="1"/>
+          </p:cNvSpPr>
+          <p:nvPr>
+            <p:ph type="title"/>
+          </p:nvPr>
+        </p:nvSpPr>
+        <p:spPr/>
+        <p:txBody>
+          <a:bodyPr/>
+          <a:lstStyle/>
+          <a:p>
             <a:r>
               <a:rPr lang="en-GB" dirty="0"/>
-              <a:t>Thank you</a:t>
+              <a:t>Joint State Publisher</a:t>
             </a:r>
           </a:p>
         </p:txBody>
@@ -20466,7 +20759,7 @@
     </p:spTree>
     <p:extLst>
       <p:ext uri="{BB962C8B-B14F-4D97-AF65-F5344CB8AC3E}">
-        <p14:creationId xmlns:p14="http://schemas.microsoft.com/office/powerpoint/2010/main" val="1774667620"/>
+        <p14:creationId xmlns:p14="http://schemas.microsoft.com/office/powerpoint/2010/main" val="642059523"/>
       </p:ext>
     </p:extLst>
   </p:cSld>
@@ -20495,6 +20788,742 @@
       </p:grpSpPr>
       <p:sp>
         <p:nvSpPr>
+          <p:cNvPr id="2" name="Content Placeholder 1">
+            <a:extLst>
+              <a:ext uri="{FF2B5EF4-FFF2-40B4-BE49-F238E27FC236}">
+                <a16:creationId xmlns:a16="http://schemas.microsoft.com/office/drawing/2014/main" id="{BBE777AC-70A6-71D6-BF82-DBCF6F9256F4}"/>
+              </a:ext>
+            </a:extLst>
+          </p:cNvPr>
+          <p:cNvSpPr>
+            <a:spLocks noGrp="1"/>
+          </p:cNvSpPr>
+          <p:nvPr>
+            <p:ph sz="half" idx="1"/>
+          </p:nvPr>
+        </p:nvSpPr>
+        <p:spPr/>
+        <p:txBody>
+          <a:bodyPr>
+            <a:normAutofit/>
+          </a:bodyPr>
+          <a:lstStyle/>
+          <a:p>
+            <a:pPr marL="342900" indent="-342900">
+              <a:lnSpc>
+                <a:spcPct val="100000"/>
+              </a:lnSpc>
+              <a:buFont typeface="+mj-lt"/>
+              <a:buAutoNum type="arabicPeriod" startAt="8"/>
+            </a:pPr>
+            <a:r>
+              <a:rPr lang="en-GB" sz="1400" dirty="0"/>
+              <a:t>Change the launch file to add the joint state publisher</a:t>
+            </a:r>
+          </a:p>
+          <a:p>
+            <a:pPr marL="342900" indent="-342900">
+              <a:lnSpc>
+                <a:spcPct val="100000"/>
+              </a:lnSpc>
+              <a:buFont typeface="+mj-lt"/>
+              <a:buAutoNum type="arabicPeriod" startAt="8"/>
+            </a:pPr>
+            <a:endParaRPr lang="en-GB" sz="1400" dirty="0"/>
+          </a:p>
+          <a:p>
+            <a:endParaRPr lang="en-GB" dirty="0"/>
+          </a:p>
+        </p:txBody>
+      </p:sp>
+      <p:sp>
+        <p:nvSpPr>
+          <p:cNvPr id="4" name="Title 3">
+            <a:extLst>
+              <a:ext uri="{FF2B5EF4-FFF2-40B4-BE49-F238E27FC236}">
+                <a16:creationId xmlns:a16="http://schemas.microsoft.com/office/drawing/2014/main" id="{2C020225-D900-8E22-D146-C79E1F2D0F4B}"/>
+              </a:ext>
+            </a:extLst>
+          </p:cNvPr>
+          <p:cNvSpPr>
+            <a:spLocks noGrp="1"/>
+          </p:cNvSpPr>
+          <p:nvPr>
+            <p:ph type="title"/>
+          </p:nvPr>
+        </p:nvSpPr>
+        <p:spPr/>
+        <p:txBody>
+          <a:bodyPr/>
+          <a:lstStyle/>
+          <a:p>
+            <a:r>
+              <a:rPr lang="en-GB" dirty="0"/>
+              <a:t>Activity 2</a:t>
+            </a:r>
+          </a:p>
+        </p:txBody>
+      </p:sp>
+      <p:sp>
+        <p:nvSpPr>
+          <p:cNvPr id="7" name="Rectangle 6">
+            <a:extLst>
+              <a:ext uri="{FF2B5EF4-FFF2-40B4-BE49-F238E27FC236}">
+                <a16:creationId xmlns:a16="http://schemas.microsoft.com/office/drawing/2014/main" id="{A00C52E9-A35F-DACF-E1B4-60F1612AC749}"/>
+              </a:ext>
+            </a:extLst>
+          </p:cNvPr>
+          <p:cNvSpPr/>
+          <p:nvPr/>
+        </p:nvSpPr>
+        <p:spPr>
+          <a:xfrm>
+            <a:off x="490817" y="2491464"/>
+            <a:ext cx="5876365" cy="3019660"/>
+          </a:xfrm>
+          <a:prstGeom prst="rect">
+            <a:avLst/>
+          </a:prstGeom>
+          <a:solidFill>
+            <a:schemeClr val="bg1">
+              <a:lumMod val="85000"/>
+            </a:schemeClr>
+          </a:solidFill>
+          <a:ln>
+            <a:noFill/>
+          </a:ln>
+        </p:spPr>
+        <p:style>
+          <a:lnRef idx="2">
+            <a:schemeClr val="accent1">
+              <a:shade val="15000"/>
+            </a:schemeClr>
+          </a:lnRef>
+          <a:fillRef idx="1">
+            <a:schemeClr val="accent1"/>
+          </a:fillRef>
+          <a:effectRef idx="0">
+            <a:schemeClr val="accent1"/>
+          </a:effectRef>
+          <a:fontRef idx="minor">
+            <a:schemeClr val="lt1"/>
+          </a:fontRef>
+        </p:style>
+        <p:txBody>
+          <a:bodyPr rtlCol="0" anchor="ctr"/>
+          <a:lstStyle/>
+          <a:p>
+            <a:pPr marL="0" indent="0">
+              <a:buNone/>
+            </a:pPr>
+            <a:r>
+              <a:rPr lang="en-GB" sz="1100" dirty="0">
+                <a:solidFill>
+                  <a:schemeClr val="tx1"/>
+                </a:solidFill>
+                <a:latin typeface="Consolas" panose="020B0609020204030204" pitchFamily="49" charset="0"/>
+              </a:rPr>
+              <a:t>&lt;?xml version="1.0"?&gt;</a:t>
+            </a:r>
+          </a:p>
+          <a:p>
+            <a:pPr marL="0" indent="0">
+              <a:buNone/>
+            </a:pPr>
+            <a:r>
+              <a:rPr lang="en-GB" sz="1100" dirty="0">
+                <a:solidFill>
+                  <a:schemeClr val="tx1"/>
+                </a:solidFill>
+                <a:latin typeface="Consolas" panose="020B0609020204030204" pitchFamily="49" charset="0"/>
+              </a:rPr>
+              <a:t>&lt;launch&gt;</a:t>
+            </a:r>
+          </a:p>
+          <a:p>
+            <a:pPr marL="0" indent="0">
+              <a:buNone/>
+            </a:pPr>
+            <a:endParaRPr lang="en-GB" sz="1100" dirty="0">
+              <a:solidFill>
+                <a:schemeClr val="tx1"/>
+              </a:solidFill>
+              <a:latin typeface="Consolas" panose="020B0609020204030204" pitchFamily="49" charset="0"/>
+            </a:endParaRPr>
+          </a:p>
+          <a:p>
+            <a:pPr marL="0" indent="0">
+              <a:buNone/>
+            </a:pPr>
+            <a:r>
+              <a:rPr lang="en-GB" sz="1100" dirty="0">
+                <a:solidFill>
+                  <a:schemeClr val="tx1"/>
+                </a:solidFill>
+                <a:latin typeface="Consolas" panose="020B0609020204030204" pitchFamily="49" charset="0"/>
+              </a:rPr>
+              <a:t>    &lt;</a:t>
+            </a:r>
+            <a:r>
+              <a:rPr lang="en-GB" sz="1100" dirty="0" err="1">
+                <a:solidFill>
+                  <a:schemeClr val="tx1"/>
+                </a:solidFill>
+                <a:latin typeface="Consolas" panose="020B0609020204030204" pitchFamily="49" charset="0"/>
+              </a:rPr>
+              <a:t>arg</a:t>
+            </a:r>
+            <a:r>
+              <a:rPr lang="en-GB" sz="1100" dirty="0">
+                <a:solidFill>
+                  <a:schemeClr val="tx1"/>
+                </a:solidFill>
+                <a:latin typeface="Consolas" panose="020B0609020204030204" pitchFamily="49" charset="0"/>
+              </a:rPr>
+              <a:t> name="</a:t>
+            </a:r>
+            <a:r>
+              <a:rPr lang="en-GB" sz="1100" dirty="0" err="1">
+                <a:solidFill>
+                  <a:schemeClr val="tx1"/>
+                </a:solidFill>
+                <a:latin typeface="Consolas" panose="020B0609020204030204" pitchFamily="49" charset="0"/>
+              </a:rPr>
+              <a:t>continuos_ex</a:t>
+            </a:r>
+            <a:r>
+              <a:rPr lang="en-GB" sz="1100" dirty="0">
+                <a:solidFill>
+                  <a:schemeClr val="tx1"/>
+                </a:solidFill>
+                <a:latin typeface="Consolas" panose="020B0609020204030204" pitchFamily="49" charset="0"/>
+              </a:rPr>
+              <a:t>" default="$(find joints_act)/</a:t>
+            </a:r>
+            <a:r>
+              <a:rPr lang="en-GB" sz="1100" dirty="0" err="1">
+                <a:solidFill>
+                  <a:schemeClr val="tx1"/>
+                </a:solidFill>
+                <a:latin typeface="Consolas" panose="020B0609020204030204" pitchFamily="49" charset="0"/>
+              </a:rPr>
+              <a:t>urdf</a:t>
+            </a:r>
+            <a:r>
+              <a:rPr lang="en-GB" sz="1100" dirty="0">
+                <a:solidFill>
+                  <a:schemeClr val="tx1"/>
+                </a:solidFill>
+                <a:latin typeface="Consolas" panose="020B0609020204030204" pitchFamily="49" charset="0"/>
+              </a:rPr>
+              <a:t>/</a:t>
+            </a:r>
+            <a:r>
+              <a:rPr lang="en-GB" sz="1100" dirty="0" err="1">
+                <a:solidFill>
+                  <a:schemeClr val="tx1"/>
+                </a:solidFill>
+                <a:latin typeface="Consolas" panose="020B0609020204030204" pitchFamily="49" charset="0"/>
+              </a:rPr>
+              <a:t>continuos_ex.urdf</a:t>
+            </a:r>
+            <a:r>
+              <a:rPr lang="en-GB" sz="1100" dirty="0">
+                <a:solidFill>
+                  <a:schemeClr val="tx1"/>
+                </a:solidFill>
+                <a:latin typeface="Consolas" panose="020B0609020204030204" pitchFamily="49" charset="0"/>
+              </a:rPr>
+              <a:t>"/&gt;</a:t>
+            </a:r>
+          </a:p>
+          <a:p>
+            <a:pPr marL="0" indent="0">
+              <a:buNone/>
+            </a:pPr>
+            <a:r>
+              <a:rPr lang="en-GB" sz="1100" dirty="0">
+                <a:solidFill>
+                  <a:schemeClr val="tx1"/>
+                </a:solidFill>
+                <a:latin typeface="Consolas" panose="020B0609020204030204" pitchFamily="49" charset="0"/>
+              </a:rPr>
+              <a:t>    &lt;param name="</a:t>
+            </a:r>
+            <a:r>
+              <a:rPr lang="en-GB" sz="1100" dirty="0" err="1">
+                <a:solidFill>
+                  <a:schemeClr val="tx1"/>
+                </a:solidFill>
+                <a:latin typeface="Consolas" panose="020B0609020204030204" pitchFamily="49" charset="0"/>
+              </a:rPr>
+              <a:t>robot_description</a:t>
+            </a:r>
+            <a:r>
+              <a:rPr lang="en-GB" sz="1100" dirty="0">
+                <a:solidFill>
+                  <a:schemeClr val="tx1"/>
+                </a:solidFill>
+                <a:latin typeface="Consolas" panose="020B0609020204030204" pitchFamily="49" charset="0"/>
+              </a:rPr>
+              <a:t>" command="cat $(</a:t>
+            </a:r>
+            <a:r>
+              <a:rPr lang="en-GB" sz="1100" dirty="0" err="1">
+                <a:solidFill>
+                  <a:schemeClr val="tx1"/>
+                </a:solidFill>
+                <a:latin typeface="Consolas" panose="020B0609020204030204" pitchFamily="49" charset="0"/>
+              </a:rPr>
+              <a:t>arg</a:t>
+            </a:r>
+            <a:r>
+              <a:rPr lang="en-GB" sz="1100" dirty="0">
+                <a:solidFill>
+                  <a:schemeClr val="tx1"/>
+                </a:solidFill>
+                <a:latin typeface="Consolas" panose="020B0609020204030204" pitchFamily="49" charset="0"/>
+              </a:rPr>
+              <a:t> </a:t>
+            </a:r>
+            <a:r>
+              <a:rPr lang="en-GB" sz="1100" dirty="0" err="1">
+                <a:solidFill>
+                  <a:schemeClr val="tx1"/>
+                </a:solidFill>
+                <a:latin typeface="Consolas" panose="020B0609020204030204" pitchFamily="49" charset="0"/>
+              </a:rPr>
+              <a:t>continuos_ex</a:t>
+            </a:r>
+            <a:r>
+              <a:rPr lang="en-GB" sz="1100" dirty="0">
+                <a:solidFill>
+                  <a:schemeClr val="tx1"/>
+                </a:solidFill>
+                <a:latin typeface="Consolas" panose="020B0609020204030204" pitchFamily="49" charset="0"/>
+              </a:rPr>
+              <a:t>)" /&gt;</a:t>
+            </a:r>
+          </a:p>
+          <a:p>
+            <a:pPr marL="0" indent="0">
+              <a:buNone/>
+            </a:pPr>
+            <a:r>
+              <a:rPr lang="en-GB" sz="1100" dirty="0">
+                <a:solidFill>
+                  <a:schemeClr val="tx1"/>
+                </a:solidFill>
+                <a:latin typeface="Consolas" panose="020B0609020204030204" pitchFamily="49" charset="0"/>
+              </a:rPr>
+              <a:t>    &lt;node </a:t>
+            </a:r>
+            <a:r>
+              <a:rPr lang="en-GB" sz="1100" dirty="0" err="1">
+                <a:solidFill>
+                  <a:schemeClr val="tx1"/>
+                </a:solidFill>
+                <a:latin typeface="Consolas" panose="020B0609020204030204" pitchFamily="49" charset="0"/>
+              </a:rPr>
+              <a:t>pkg</a:t>
+            </a:r>
+            <a:r>
+              <a:rPr lang="en-GB" sz="1100" dirty="0">
+                <a:solidFill>
+                  <a:schemeClr val="tx1"/>
+                </a:solidFill>
+                <a:latin typeface="Consolas" panose="020B0609020204030204" pitchFamily="49" charset="0"/>
+              </a:rPr>
+              <a:t>="robot_state_publisher" type="robot_state_publisher" name="</a:t>
+            </a:r>
+            <a:r>
+              <a:rPr lang="en-GB" sz="1100" dirty="0" err="1">
+                <a:solidFill>
+                  <a:schemeClr val="tx1"/>
+                </a:solidFill>
+                <a:latin typeface="Consolas" panose="020B0609020204030204" pitchFamily="49" charset="0"/>
+              </a:rPr>
+              <a:t>continuos_test_pub</a:t>
+            </a:r>
+            <a:r>
+              <a:rPr lang="en-GB" sz="1100" dirty="0">
+                <a:solidFill>
+                  <a:schemeClr val="tx1"/>
+                </a:solidFill>
+                <a:latin typeface="Consolas" panose="020B0609020204030204" pitchFamily="49" charset="0"/>
+              </a:rPr>
+              <a:t>" &gt;</a:t>
+            </a:r>
+          </a:p>
+          <a:p>
+            <a:pPr marL="0" indent="0">
+              <a:buNone/>
+            </a:pPr>
+            <a:r>
+              <a:rPr lang="en-GB" sz="1100" dirty="0">
+                <a:solidFill>
+                  <a:schemeClr val="tx1"/>
+                </a:solidFill>
+                <a:latin typeface="Consolas" panose="020B0609020204030204" pitchFamily="49" charset="0"/>
+              </a:rPr>
+              <a:t>    &lt;/node&gt;</a:t>
+            </a:r>
+          </a:p>
+          <a:p>
+            <a:pPr marL="0" indent="0">
+              <a:buNone/>
+            </a:pPr>
+            <a:endParaRPr lang="en-GB" sz="1100" dirty="0">
+              <a:solidFill>
+                <a:schemeClr val="tx1"/>
+              </a:solidFill>
+              <a:latin typeface="Consolas" panose="020B0609020204030204" pitchFamily="49" charset="0"/>
+            </a:endParaRPr>
+          </a:p>
+          <a:p>
+            <a:pPr marL="0" indent="0">
+              <a:buNone/>
+            </a:pPr>
+            <a:r>
+              <a:rPr lang="en-GB" sz="1100" dirty="0">
+                <a:solidFill>
+                  <a:schemeClr val="tx1"/>
+                </a:solidFill>
+                <a:latin typeface="Consolas" panose="020B0609020204030204" pitchFamily="49" charset="0"/>
+              </a:rPr>
+              <a:t> &lt;node name="</a:t>
+            </a:r>
+            <a:r>
+              <a:rPr lang="en-GB" sz="1100" dirty="0" err="1">
+                <a:solidFill>
+                  <a:schemeClr val="tx1"/>
+                </a:solidFill>
+                <a:latin typeface="Consolas" panose="020B0609020204030204" pitchFamily="49" charset="0"/>
+              </a:rPr>
+              <a:t>joint_state_publisher_gui</a:t>
+            </a:r>
+            <a:r>
+              <a:rPr lang="en-GB" sz="1100" dirty="0">
+                <a:solidFill>
+                  <a:schemeClr val="tx1"/>
+                </a:solidFill>
+                <a:latin typeface="Consolas" panose="020B0609020204030204" pitchFamily="49" charset="0"/>
+              </a:rPr>
+              <a:t>" </a:t>
+            </a:r>
+            <a:r>
+              <a:rPr lang="en-GB" sz="1100" dirty="0" err="1">
+                <a:solidFill>
+                  <a:schemeClr val="tx1"/>
+                </a:solidFill>
+                <a:latin typeface="Consolas" panose="020B0609020204030204" pitchFamily="49" charset="0"/>
+              </a:rPr>
+              <a:t>pkg</a:t>
+            </a:r>
+            <a:r>
+              <a:rPr lang="en-GB" sz="1100" dirty="0">
+                <a:solidFill>
+                  <a:schemeClr val="tx1"/>
+                </a:solidFill>
+                <a:latin typeface="Consolas" panose="020B0609020204030204" pitchFamily="49" charset="0"/>
+              </a:rPr>
+              <a:t>="</a:t>
+            </a:r>
+            <a:r>
+              <a:rPr lang="en-GB" sz="1100" dirty="0" err="1">
+                <a:solidFill>
+                  <a:schemeClr val="tx1"/>
+                </a:solidFill>
+                <a:latin typeface="Consolas" panose="020B0609020204030204" pitchFamily="49" charset="0"/>
+              </a:rPr>
+              <a:t>joint_state_publisher_gui</a:t>
+            </a:r>
+            <a:r>
+              <a:rPr lang="en-GB" sz="1100" dirty="0">
+                <a:solidFill>
+                  <a:schemeClr val="tx1"/>
+                </a:solidFill>
+                <a:latin typeface="Consolas" panose="020B0609020204030204" pitchFamily="49" charset="0"/>
+              </a:rPr>
+              <a:t>" type="</a:t>
+            </a:r>
+            <a:r>
+              <a:rPr lang="en-GB" sz="1100" dirty="0" err="1">
+                <a:solidFill>
+                  <a:schemeClr val="tx1"/>
+                </a:solidFill>
+                <a:latin typeface="Consolas" panose="020B0609020204030204" pitchFamily="49" charset="0"/>
+              </a:rPr>
+              <a:t>joint_state_publisher_gui</a:t>
+            </a:r>
+            <a:r>
+              <a:rPr lang="en-GB" sz="1100" dirty="0">
+                <a:solidFill>
+                  <a:schemeClr val="tx1"/>
+                </a:solidFill>
+                <a:latin typeface="Consolas" panose="020B0609020204030204" pitchFamily="49" charset="0"/>
+              </a:rPr>
+              <a:t>"&gt;</a:t>
+            </a:r>
+          </a:p>
+          <a:p>
+            <a:pPr marL="0" indent="0">
+              <a:buNone/>
+            </a:pPr>
+            <a:r>
+              <a:rPr lang="en-GB" sz="1100" dirty="0">
+                <a:solidFill>
+                  <a:schemeClr val="tx1"/>
+                </a:solidFill>
+                <a:latin typeface="Consolas" panose="020B0609020204030204" pitchFamily="49" charset="0"/>
+              </a:rPr>
+              <a:t>    &lt;/node&gt;</a:t>
+            </a:r>
+          </a:p>
+          <a:p>
+            <a:pPr marL="0" indent="0">
+              <a:buNone/>
+            </a:pPr>
+            <a:endParaRPr lang="en-GB" sz="1100" dirty="0">
+              <a:solidFill>
+                <a:schemeClr val="tx1"/>
+              </a:solidFill>
+              <a:latin typeface="Consolas" panose="020B0609020204030204" pitchFamily="49" charset="0"/>
+            </a:endParaRPr>
+          </a:p>
+          <a:p>
+            <a:pPr marL="0" indent="0">
+              <a:buNone/>
+            </a:pPr>
+            <a:r>
+              <a:rPr lang="en-GB" sz="1100" dirty="0">
+                <a:solidFill>
+                  <a:schemeClr val="tx1"/>
+                </a:solidFill>
+                <a:latin typeface="Consolas" panose="020B0609020204030204" pitchFamily="49" charset="0"/>
+              </a:rPr>
+              <a:t>&lt;node name="</a:t>
+            </a:r>
+            <a:r>
+              <a:rPr lang="en-GB" sz="1100" dirty="0" err="1">
+                <a:solidFill>
+                  <a:schemeClr val="tx1"/>
+                </a:solidFill>
+                <a:latin typeface="Consolas" panose="020B0609020204030204" pitchFamily="49" charset="0"/>
+              </a:rPr>
+              <a:t>rviz</a:t>
+            </a:r>
+            <a:r>
+              <a:rPr lang="en-GB" sz="1100" dirty="0">
+                <a:solidFill>
+                  <a:schemeClr val="tx1"/>
+                </a:solidFill>
+                <a:latin typeface="Consolas" panose="020B0609020204030204" pitchFamily="49" charset="0"/>
+              </a:rPr>
+              <a:t>" </a:t>
+            </a:r>
+            <a:r>
+              <a:rPr lang="en-GB" sz="1100" dirty="0" err="1">
+                <a:solidFill>
+                  <a:schemeClr val="tx1"/>
+                </a:solidFill>
+                <a:latin typeface="Consolas" panose="020B0609020204030204" pitchFamily="49" charset="0"/>
+              </a:rPr>
+              <a:t>pkg</a:t>
+            </a:r>
+            <a:r>
+              <a:rPr lang="en-GB" sz="1100" dirty="0">
+                <a:solidFill>
+                  <a:schemeClr val="tx1"/>
+                </a:solidFill>
+                <a:latin typeface="Consolas" panose="020B0609020204030204" pitchFamily="49" charset="0"/>
+              </a:rPr>
+              <a:t>="</a:t>
+            </a:r>
+            <a:r>
+              <a:rPr lang="en-GB" sz="1100" dirty="0" err="1">
+                <a:solidFill>
+                  <a:schemeClr val="tx1"/>
+                </a:solidFill>
+                <a:latin typeface="Consolas" panose="020B0609020204030204" pitchFamily="49" charset="0"/>
+              </a:rPr>
+              <a:t>rviz</a:t>
+            </a:r>
+            <a:r>
+              <a:rPr lang="en-GB" sz="1100" dirty="0">
+                <a:solidFill>
+                  <a:schemeClr val="tx1"/>
+                </a:solidFill>
+                <a:latin typeface="Consolas" panose="020B0609020204030204" pitchFamily="49" charset="0"/>
+              </a:rPr>
+              <a:t>" type="</a:t>
+            </a:r>
+            <a:r>
+              <a:rPr lang="en-GB" sz="1100" dirty="0" err="1">
+                <a:solidFill>
+                  <a:schemeClr val="tx1"/>
+                </a:solidFill>
+                <a:latin typeface="Consolas" panose="020B0609020204030204" pitchFamily="49" charset="0"/>
+              </a:rPr>
+              <a:t>rviz</a:t>
+            </a:r>
+            <a:r>
+              <a:rPr lang="en-GB" sz="1100" dirty="0">
+                <a:solidFill>
+                  <a:schemeClr val="tx1"/>
+                </a:solidFill>
+                <a:latin typeface="Consolas" panose="020B0609020204030204" pitchFamily="49" charset="0"/>
+              </a:rPr>
+              <a:t>" required="true" /&gt;</a:t>
+            </a:r>
+          </a:p>
+          <a:p>
+            <a:pPr marL="0" indent="0">
+              <a:buNone/>
+            </a:pPr>
+            <a:endParaRPr lang="en-GB" sz="1100" dirty="0">
+              <a:solidFill>
+                <a:schemeClr val="tx1"/>
+              </a:solidFill>
+              <a:latin typeface="Consolas" panose="020B0609020204030204" pitchFamily="49" charset="0"/>
+            </a:endParaRPr>
+          </a:p>
+          <a:p>
+            <a:pPr marL="0" indent="0">
+              <a:buNone/>
+            </a:pPr>
+            <a:r>
+              <a:rPr lang="en-GB" sz="1100" dirty="0">
+                <a:solidFill>
+                  <a:schemeClr val="tx1"/>
+                </a:solidFill>
+                <a:latin typeface="Consolas" panose="020B0609020204030204" pitchFamily="49" charset="0"/>
+              </a:rPr>
+              <a:t>&lt;/launch&gt;</a:t>
+            </a:r>
+          </a:p>
+        </p:txBody>
+      </p:sp>
+      <p:pic>
+        <p:nvPicPr>
+          <p:cNvPr id="10" name="Picture 9">
+            <a:extLst>
+              <a:ext uri="{FF2B5EF4-FFF2-40B4-BE49-F238E27FC236}">
+                <a16:creationId xmlns:a16="http://schemas.microsoft.com/office/drawing/2014/main" id="{2E05B54B-45C5-D209-BDAD-5FFEB636CB7F}"/>
+              </a:ext>
+            </a:extLst>
+          </p:cNvPr>
+          <p:cNvPicPr>
+            <a:picLocks noChangeAspect="1"/>
+          </p:cNvPicPr>
+          <p:nvPr/>
+        </p:nvPicPr>
+        <p:blipFill>
+          <a:blip r:embed="rId2"/>
+          <a:stretch>
+            <a:fillRect/>
+          </a:stretch>
+        </p:blipFill>
+        <p:spPr>
+          <a:xfrm>
+            <a:off x="6714565" y="1721224"/>
+            <a:ext cx="5382005" cy="4718470"/>
+          </a:xfrm>
+          <a:prstGeom prst="rect">
+            <a:avLst/>
+          </a:prstGeom>
+        </p:spPr>
+      </p:pic>
+    </p:spTree>
+    <p:extLst>
+      <p:ext uri="{BB962C8B-B14F-4D97-AF65-F5344CB8AC3E}">
+        <p14:creationId xmlns:p14="http://schemas.microsoft.com/office/powerpoint/2010/main" val="235552349"/>
+      </p:ext>
+    </p:extLst>
+  </p:cSld>
+  <p:clrMapOvr>
+    <a:masterClrMapping/>
+  </p:clrMapOvr>
+</p:sld>
+</file>
+
+<file path=ppt/slides/slide23.xml><?xml version="1.0" encoding="utf-8"?>
+<p:sld xmlns:a="http://schemas.openxmlformats.org/drawingml/2006/main" xmlns:r="http://schemas.openxmlformats.org/officeDocument/2006/relationships" xmlns:p="http://schemas.openxmlformats.org/presentationml/2006/main">
+  <p:cSld>
+    <p:spTree>
+      <p:nvGrpSpPr>
+        <p:cNvPr id="1" name=""/>
+        <p:cNvGrpSpPr/>
+        <p:nvPr/>
+      </p:nvGrpSpPr>
+      <p:grpSpPr>
+        <a:xfrm>
+          <a:off x="0" y="0"/>
+          <a:ext cx="0" cy="0"/>
+          <a:chOff x="0" y="0"/>
+          <a:chExt cx="0" cy="0"/>
+        </a:xfrm>
+      </p:grpSpPr>
+      <p:sp>
+        <p:nvSpPr>
+          <p:cNvPr id="2" name="Title 1">
+            <a:extLst>
+              <a:ext uri="{FF2B5EF4-FFF2-40B4-BE49-F238E27FC236}">
+                <a16:creationId xmlns:a16="http://schemas.microsoft.com/office/drawing/2014/main" id="{0A8B8D1C-B2D9-3BC0-72D7-AD9191700AE7}"/>
+              </a:ext>
+            </a:extLst>
+          </p:cNvPr>
+          <p:cNvSpPr>
+            <a:spLocks noGrp="1"/>
+          </p:cNvSpPr>
+          <p:nvPr>
+            <p:ph type="ctrTitle"/>
+          </p:nvPr>
+        </p:nvSpPr>
+        <p:spPr/>
+        <p:txBody>
+          <a:bodyPr/>
+          <a:lstStyle/>
+          <a:p>
+            <a:r>
+              <a:rPr lang="en-GB" dirty="0"/>
+              <a:t>Thank you</a:t>
+            </a:r>
+          </a:p>
+        </p:txBody>
+      </p:sp>
+    </p:spTree>
+    <p:extLst>
+      <p:ext uri="{BB962C8B-B14F-4D97-AF65-F5344CB8AC3E}">
+        <p14:creationId xmlns:p14="http://schemas.microsoft.com/office/powerpoint/2010/main" val="1774667620"/>
+      </p:ext>
+    </p:extLst>
+  </p:cSld>
+  <p:clrMapOvr>
+    <a:masterClrMapping/>
+  </p:clrMapOvr>
+</p:sld>
+</file>
+
+<file path=ppt/slides/slide24.xml><?xml version="1.0" encoding="utf-8"?>
+<p:sld xmlns:a="http://schemas.openxmlformats.org/drawingml/2006/main" xmlns:r="http://schemas.openxmlformats.org/officeDocument/2006/relationships" xmlns:p="http://schemas.openxmlformats.org/presentationml/2006/main">
+  <p:cSld>
+    <p:spTree>
+      <p:nvGrpSpPr>
+        <p:cNvPr id="1" name=""/>
+        <p:cNvGrpSpPr/>
+        <p:nvPr/>
+      </p:nvGrpSpPr>
+      <p:grpSpPr>
+        <a:xfrm>
+          <a:off x="0" y="0"/>
+          <a:ext cx="0" cy="0"/>
+          <a:chOff x="0" y="0"/>
+          <a:chExt cx="0" cy="0"/>
+        </a:xfrm>
+      </p:grpSpPr>
+      <p:sp>
+        <p:nvSpPr>
           <p:cNvPr id="2" name="Title 1">
             <a:extLst>
               <a:ext uri="{FF2B5EF4-FFF2-40B4-BE49-F238E27FC236}">
@@ -20562,7 +21591,7 @@
 </p:sld>
 </file>
 
-<file path=ppt/slides/slide23.xml><?xml version="1.0" encoding="utf-8"?>
+<file path=ppt/slides/slide25.xml><?xml version="1.0" encoding="utf-8"?>
 <p:sld xmlns:a="http://schemas.openxmlformats.org/drawingml/2006/main" xmlns:r="http://schemas.openxmlformats.org/officeDocument/2006/relationships" xmlns:p="http://schemas.openxmlformats.org/presentationml/2006/main">
   <p:cSld>
     <p:spTree>
